--- a/Planning/PO Meeting 2.pptx
+++ b/Planning/PO Meeting 2.pptx
@@ -6,10 +6,11 @@
   </p:sldMasterIdLst>
   <p:sldIdLst>
     <p:sldId id="256" r:id="rId2"/>
-    <p:sldId id="260" r:id="rId3"/>
-    <p:sldId id="258" r:id="rId4"/>
-    <p:sldId id="259" r:id="rId5"/>
-    <p:sldId id="257" r:id="rId6"/>
+    <p:sldId id="261" r:id="rId3"/>
+    <p:sldId id="257" r:id="rId4"/>
+    <p:sldId id="262" r:id="rId5"/>
+    <p:sldId id="258" r:id="rId6"/>
+    <p:sldId id="260" r:id="rId7"/>
   </p:sldIdLst>
   <p:sldSz cx="12192000" cy="6858000"/>
   <p:notesSz cx="6858000" cy="9144000"/>
@@ -5759,7 +5760,7 @@
           <p:cNvPr id="2" name="Title 1">
             <a:extLst>
               <a:ext uri="{FF2B5EF4-FFF2-40B4-BE49-F238E27FC236}">
-                <a16:creationId xmlns:a16="http://schemas.microsoft.com/office/drawing/2014/main" id="{1F093E90-C0B8-4591-990C-401394A09BFD}"/>
+                <a16:creationId xmlns:a16="http://schemas.microsoft.com/office/drawing/2014/main" id="{CBA7E53D-83AC-47E8-9B0F-DE96500FA83E}"/>
               </a:ext>
             </a:extLst>
           </p:cNvPr>
@@ -5788,7 +5789,7 @@
           <p:cNvPr id="3" name="Content Placeholder 2">
             <a:extLst>
               <a:ext uri="{FF2B5EF4-FFF2-40B4-BE49-F238E27FC236}">
-                <a16:creationId xmlns:a16="http://schemas.microsoft.com/office/drawing/2014/main" id="{65882D4E-C2D4-48EE-9875-2CC10E245311}"/>
+                <a16:creationId xmlns:a16="http://schemas.microsoft.com/office/drawing/2014/main" id="{2A478098-4F8C-45F4-9439-607759B6289E}"/>
               </a:ext>
             </a:extLst>
           </p:cNvPr>
@@ -5801,17 +5802,43 @@
         </p:nvSpPr>
         <p:spPr/>
         <p:txBody>
-          <a:bodyPr/>
-          <a:lstStyle/>
-          <a:p>
-            <a:endParaRPr lang="LID4096"/>
+          <a:bodyPr>
+            <a:normAutofit/>
+          </a:bodyPr>
+          <a:lstStyle/>
+          <a:p>
+            <a:r>
+              <a:rPr lang="en-US" sz="2000" dirty="0"/>
+              <a:t>1. “As a customer, I want to be able to log into my bank account using my </a:t>
+            </a:r>
+            <a:r>
+              <a:rPr lang="en-US" sz="2000" dirty="0" err="1"/>
+              <a:t>pincode</a:t>
+            </a:r>
+            <a:r>
+              <a:rPr lang="en-US" sz="2000" dirty="0"/>
+              <a:t> in a safe and fast manner so that I can get to my money quickly and feel secure when doing this.”</a:t>
+            </a:r>
+          </a:p>
+          <a:p>
+            <a:r>
+              <a:rPr lang="en-US" sz="2000" dirty="0"/>
+              <a:t>2. “As a security specialist , I want the ATM to remember the amount of login attempts so that I can lock out that user after a certain number of tries.”</a:t>
+            </a:r>
+          </a:p>
+          <a:p>
+            <a:r>
+              <a:rPr lang="en-GB" sz="2000" dirty="0"/>
+              <a:t>3. “As a customer, I want my card blocked after 3 wrong login attempts so that thieves and robbers can’t access my money if they have stolen my card.”</a:t>
+            </a:r>
+            <a:endParaRPr lang="LID4096" sz="2000" dirty="0"/>
           </a:p>
         </p:txBody>
       </p:sp>
     </p:spTree>
     <p:extLst>
       <p:ext uri="{BB962C8B-B14F-4D97-AF65-F5344CB8AC3E}">
-        <p14:creationId xmlns:p14="http://schemas.microsoft.com/office/powerpoint/2010/main" val="1181509279"/>
+        <p14:creationId xmlns:p14="http://schemas.microsoft.com/office/powerpoint/2010/main" val="2460597631"/>
       </p:ext>
     </p:extLst>
   </p:cSld>
@@ -5843,7 +5870,7 @@
           <p:cNvPr id="2" name="Title 1">
             <a:extLst>
               <a:ext uri="{FF2B5EF4-FFF2-40B4-BE49-F238E27FC236}">
-                <a16:creationId xmlns:a16="http://schemas.microsoft.com/office/drawing/2014/main" id="{244732A4-B130-4CC3-991D-C7758A5F1178}"/>
+                <a16:creationId xmlns:a16="http://schemas.microsoft.com/office/drawing/2014/main" id="{3899EF6A-6783-49EA-88FD-1E99676D874D}"/>
               </a:ext>
             </a:extLst>
           </p:cNvPr>
@@ -5861,7 +5888,7 @@
           <a:p>
             <a:r>
               <a:rPr lang="en-US" dirty="0"/>
-              <a:t>SPRINT 2</a:t>
+              <a:t>Sprint review</a:t>
             </a:r>
             <a:endParaRPr lang="LID4096" dirty="0"/>
           </a:p>
@@ -5872,7 +5899,7 @@
           <p:cNvPr id="3" name="Content Placeholder 2">
             <a:extLst>
               <a:ext uri="{FF2B5EF4-FFF2-40B4-BE49-F238E27FC236}">
-                <a16:creationId xmlns:a16="http://schemas.microsoft.com/office/drawing/2014/main" id="{A3C7C01C-7097-4C51-B62C-A8B5F6BFD467}"/>
+                <a16:creationId xmlns:a16="http://schemas.microsoft.com/office/drawing/2014/main" id="{029663A7-C21E-48EA-855F-2E44ABCA9DC5}"/>
               </a:ext>
             </a:extLst>
           </p:cNvPr>
@@ -5889,37 +5916,135 @@
           <a:lstStyle/>
           <a:p>
             <a:r>
-              <a:rPr lang="nl-NL" dirty="0"/>
-              <a:t>Security</a:t>
+              <a:rPr lang="en-US" dirty="0" err="1"/>
+              <a:t>Niet</a:t>
+            </a:r>
+            <a:r>
+              <a:rPr lang="en-US" dirty="0"/>
+              <a:t> </a:t>
+            </a:r>
+            <a:r>
+              <a:rPr lang="en-US" dirty="0" err="1"/>
+              <a:t>aan</a:t>
+            </a:r>
+            <a:r>
+              <a:rPr lang="en-US" dirty="0"/>
+              <a:t> login </a:t>
+            </a:r>
+            <a:r>
+              <a:rPr lang="en-US" dirty="0" err="1"/>
+              <a:t>systeem</a:t>
+            </a:r>
+            <a:r>
+              <a:rPr lang="en-US" dirty="0"/>
+              <a:t> toe </a:t>
+            </a:r>
+            <a:r>
+              <a:rPr lang="en-US" dirty="0" err="1"/>
+              <a:t>gekomen</a:t>
+            </a:r>
+            <a:r>
+              <a:rPr lang="en-US" dirty="0"/>
+              <a:t>;</a:t>
+            </a:r>
+          </a:p>
+          <a:p>
+            <a:r>
+              <a:rPr lang="en-US" dirty="0"/>
+              <a:t>We </a:t>
+            </a:r>
+            <a:r>
+              <a:rPr lang="en-US" dirty="0" err="1"/>
+              <a:t>hebben</a:t>
+            </a:r>
+            <a:r>
+              <a:rPr lang="en-US" dirty="0"/>
+              <a:t> </a:t>
+            </a:r>
+            <a:r>
+              <a:rPr lang="en-US" dirty="0" err="1"/>
+              <a:t>een</a:t>
+            </a:r>
+            <a:r>
+              <a:rPr lang="en-US" dirty="0"/>
+              <a:t> </a:t>
+            </a:r>
+            <a:r>
+              <a:rPr lang="en-US" dirty="0" err="1"/>
+              <a:t>werkend</a:t>
+            </a:r>
+            <a:r>
+              <a:rPr lang="en-US" dirty="0"/>
+              <a:t> frame </a:t>
+            </a:r>
+            <a:r>
+              <a:rPr lang="en-US" dirty="0" err="1"/>
+              <a:t>voor</a:t>
+            </a:r>
+            <a:r>
+              <a:rPr lang="en-US" dirty="0"/>
+              <a:t> de </a:t>
+            </a:r>
+            <a:r>
+              <a:rPr lang="en-US" dirty="0" err="1"/>
+              <a:t>gui</a:t>
+            </a:r>
+            <a:r>
+              <a:rPr lang="en-US" dirty="0"/>
+              <a:t>;</a:t>
+            </a:r>
+          </a:p>
+          <a:p>
+            <a:r>
+              <a:rPr lang="en-US" dirty="0"/>
+              <a:t>Flowchart;</a:t>
+            </a:r>
+          </a:p>
+          <a:p>
+            <a:r>
+              <a:rPr lang="en-US" dirty="0"/>
+              <a:t>In progress:</a:t>
             </a:r>
           </a:p>
           <a:p>
             <a:pPr lvl="1"/>
             <a:r>
-              <a:rPr lang="nl-NL" dirty="0"/>
-              <a:t>“Als bank wil ik mezelf beschermen tegen “security breaches” zodat ik mijn integriteit en reputatie niet kwijtraak”</a:t>
-            </a:r>
-          </a:p>
-          <a:p>
-            <a:pPr lvl="2"/>
-            <a:r>
-              <a:rPr lang="nl-NL" dirty="0"/>
-              <a:t>Een robuust design voor de geld dispenser ontwerpen;</a:t>
-            </a:r>
-          </a:p>
-          <a:p>
-            <a:pPr lvl="2"/>
-            <a:r>
-              <a:rPr lang="nl-NL" dirty="0"/>
-              <a:t>De protocollen van de noob bekijken;</a:t>
-            </a:r>
+              <a:rPr lang="en-US" dirty="0" err="1"/>
+              <a:t>Leren</a:t>
+            </a:r>
+            <a:r>
+              <a:rPr lang="en-US" dirty="0"/>
+              <a:t> van python;</a:t>
+            </a:r>
+          </a:p>
+          <a:p>
+            <a:pPr lvl="1"/>
+            <a:r>
+              <a:rPr lang="en-US" dirty="0" err="1"/>
+              <a:t>Documentatie</a:t>
+            </a:r>
+            <a:r>
+              <a:rPr lang="en-US" dirty="0"/>
+              <a:t> &amp; </a:t>
+            </a:r>
+            <a:r>
+              <a:rPr lang="en-US" dirty="0" err="1"/>
+              <a:t>risicolog</a:t>
+            </a:r>
+            <a:r>
+              <a:rPr lang="en-US" dirty="0"/>
+              <a:t>;</a:t>
+            </a:r>
+          </a:p>
+          <a:p>
+            <a:endParaRPr lang="LID4096" dirty="0"/>
           </a:p>
         </p:txBody>
       </p:sp>
     </p:spTree>
     <p:extLst>
       <p:ext uri="{BB962C8B-B14F-4D97-AF65-F5344CB8AC3E}">
-        <p14:creationId xmlns:p14="http://schemas.microsoft.com/office/powerpoint/2010/main" val="3334901123"/>
+        <p14:creationId xmlns:p14="http://schemas.microsoft.com/office/powerpoint/2010/main" val="3407481101"/>
       </p:ext>
     </p:extLst>
   </p:cSld>
@@ -5951,7 +6076,7 @@
           <p:cNvPr id="2" name="Title 1">
             <a:extLst>
               <a:ext uri="{FF2B5EF4-FFF2-40B4-BE49-F238E27FC236}">
-                <a16:creationId xmlns:a16="http://schemas.microsoft.com/office/drawing/2014/main" id="{F1048B2C-EAF2-4586-BB2C-9DC3A985CC6B}"/>
+                <a16:creationId xmlns:a16="http://schemas.microsoft.com/office/drawing/2014/main" id="{89C0548F-A5D0-4FB7-B959-F469F9F405C3}"/>
               </a:ext>
             </a:extLst>
           </p:cNvPr>
@@ -5969,41 +6094,46 @@
           <a:p>
             <a:r>
               <a:rPr lang="en-US" dirty="0"/>
-              <a:t>SPRINT 2</a:t>
+              <a:t>SPRINT REVIEW</a:t>
             </a:r>
             <a:endParaRPr lang="LID4096" dirty="0"/>
           </a:p>
         </p:txBody>
       </p:sp>
-      <p:sp>
-        <p:nvSpPr>
-          <p:cNvPr id="3" name="Content Placeholder 2">
+      <p:pic>
+        <p:nvPicPr>
+          <p:cNvPr id="5" name="Picture 4" descr="A close up of text on a white background&#10;&#10;Description automatically generated">
             <a:extLst>
               <a:ext uri="{FF2B5EF4-FFF2-40B4-BE49-F238E27FC236}">
-                <a16:creationId xmlns:a16="http://schemas.microsoft.com/office/drawing/2014/main" id="{FFE89223-B09B-44F3-81C6-D93FF7234E40}"/>
+                <a16:creationId xmlns:a16="http://schemas.microsoft.com/office/drawing/2014/main" id="{5C27546A-F55E-480E-AF11-76FCF50B2A5C}"/>
               </a:ext>
             </a:extLst>
           </p:cNvPr>
-          <p:cNvSpPr>
-            <a:spLocks noGrp="1"/>
-          </p:cNvSpPr>
-          <p:nvPr>
-            <p:ph idx="1"/>
-          </p:nvPr>
-        </p:nvSpPr>
-        <p:spPr/>
-        <p:txBody>
-          <a:bodyPr/>
-          <a:lstStyle/>
-          <a:p>
-            <a:endParaRPr lang="LID4096"/>
-          </a:p>
-        </p:txBody>
-      </p:sp>
+          <p:cNvPicPr>
+            <a:picLocks noChangeAspect="1"/>
+          </p:cNvPicPr>
+          <p:nvPr/>
+        </p:nvPicPr>
+        <p:blipFill>
+          <a:blip r:embed="rId2"/>
+          <a:stretch>
+            <a:fillRect/>
+          </a:stretch>
+        </p:blipFill>
+        <p:spPr>
+          <a:xfrm>
+            <a:off x="1430938" y="0"/>
+            <a:ext cx="5424873" cy="6858000"/>
+          </a:xfrm>
+          <a:prstGeom prst="rect">
+            <a:avLst/>
+          </a:prstGeom>
+        </p:spPr>
+      </p:pic>
     </p:spTree>
     <p:extLst>
       <p:ext uri="{BB962C8B-B14F-4D97-AF65-F5344CB8AC3E}">
-        <p14:creationId xmlns:p14="http://schemas.microsoft.com/office/powerpoint/2010/main" val="2280415221"/>
+        <p14:creationId xmlns:p14="http://schemas.microsoft.com/office/powerpoint/2010/main" val="1309540231"/>
       </p:ext>
     </p:extLst>
   </p:cSld>
@@ -6035,7 +6165,7 @@
           <p:cNvPr id="2" name="Title 1">
             <a:extLst>
               <a:ext uri="{FF2B5EF4-FFF2-40B4-BE49-F238E27FC236}">
-                <a16:creationId xmlns:a16="http://schemas.microsoft.com/office/drawing/2014/main" id="{3899EF6A-6783-49EA-88FD-1E99676D874D}"/>
+                <a16:creationId xmlns:a16="http://schemas.microsoft.com/office/drawing/2014/main" id="{244732A4-B130-4CC3-991D-C7758A5F1178}"/>
               </a:ext>
             </a:extLst>
           </p:cNvPr>
@@ -6053,7 +6183,7 @@
           <a:p>
             <a:r>
               <a:rPr lang="en-US" dirty="0"/>
-              <a:t>RETROSPECTIVE</a:t>
+              <a:t>SPRINT 2</a:t>
             </a:r>
             <a:endParaRPr lang="LID4096" dirty="0"/>
           </a:p>
@@ -6064,7 +6194,7 @@
           <p:cNvPr id="3" name="Content Placeholder 2">
             <a:extLst>
               <a:ext uri="{FF2B5EF4-FFF2-40B4-BE49-F238E27FC236}">
-                <a16:creationId xmlns:a16="http://schemas.microsoft.com/office/drawing/2014/main" id="{029663A7-C21E-48EA-855F-2E44ABCA9DC5}"/>
+                <a16:creationId xmlns:a16="http://schemas.microsoft.com/office/drawing/2014/main" id="{A3C7C01C-7097-4C51-B62C-A8B5F6BFD467}"/>
               </a:ext>
             </a:extLst>
           </p:cNvPr>
@@ -6081,135 +6211,246 @@
           <a:lstStyle/>
           <a:p>
             <a:r>
-              <a:rPr lang="en-US" dirty="0" err="1"/>
-              <a:t>Niet</a:t>
-            </a:r>
-            <a:r>
-              <a:rPr lang="en-US" dirty="0"/>
-              <a:t> </a:t>
-            </a:r>
-            <a:r>
-              <a:rPr lang="en-US" dirty="0" err="1"/>
-              <a:t>aan</a:t>
-            </a:r>
-            <a:r>
-              <a:rPr lang="en-US" dirty="0"/>
-              <a:t> login </a:t>
-            </a:r>
-            <a:r>
-              <a:rPr lang="en-US" dirty="0" err="1"/>
-              <a:t>systeem</a:t>
-            </a:r>
-            <a:r>
-              <a:rPr lang="en-US" dirty="0"/>
-              <a:t> toe </a:t>
-            </a:r>
-            <a:r>
-              <a:rPr lang="en-US" dirty="0" err="1"/>
-              <a:t>gekomen</a:t>
-            </a:r>
-            <a:r>
-              <a:rPr lang="en-US" dirty="0"/>
-              <a:t>;</a:t>
-            </a:r>
-          </a:p>
-          <a:p>
-            <a:r>
-              <a:rPr lang="en-US" dirty="0"/>
-              <a:t>We </a:t>
-            </a:r>
-            <a:r>
-              <a:rPr lang="en-US" dirty="0" err="1"/>
-              <a:t>hebben</a:t>
-            </a:r>
-            <a:r>
-              <a:rPr lang="en-US" dirty="0"/>
-              <a:t> </a:t>
-            </a:r>
-            <a:r>
-              <a:rPr lang="en-US" dirty="0" err="1"/>
-              <a:t>een</a:t>
-            </a:r>
-            <a:r>
-              <a:rPr lang="en-US" dirty="0"/>
-              <a:t> </a:t>
-            </a:r>
-            <a:r>
-              <a:rPr lang="en-US" dirty="0" err="1"/>
-              <a:t>werkend</a:t>
-            </a:r>
-            <a:r>
-              <a:rPr lang="en-US" dirty="0"/>
-              <a:t> frame </a:t>
-            </a:r>
-            <a:r>
-              <a:rPr lang="en-US" dirty="0" err="1"/>
-              <a:t>voor</a:t>
-            </a:r>
-            <a:r>
-              <a:rPr lang="en-US" dirty="0"/>
-              <a:t> de </a:t>
-            </a:r>
-            <a:r>
-              <a:rPr lang="en-US" dirty="0" err="1"/>
-              <a:t>gui</a:t>
-            </a:r>
-            <a:r>
-              <a:rPr lang="en-US" dirty="0"/>
-              <a:t>;</a:t>
-            </a:r>
-          </a:p>
-          <a:p>
-            <a:r>
-              <a:rPr lang="en-US" dirty="0"/>
-              <a:t>Flowchart;</a:t>
-            </a:r>
-          </a:p>
-          <a:p>
-            <a:r>
-              <a:rPr lang="en-US" dirty="0"/>
-              <a:t>In progress:</a:t>
+              <a:rPr lang="nl-NL" dirty="0"/>
+              <a:t>Security</a:t>
             </a:r>
           </a:p>
           <a:p>
             <a:pPr lvl="1"/>
             <a:r>
-              <a:rPr lang="en-US" dirty="0" err="1"/>
-              <a:t>Leren</a:t>
-            </a:r>
-            <a:r>
-              <a:rPr lang="en-US" dirty="0"/>
-              <a:t> van python;</a:t>
-            </a:r>
-          </a:p>
-          <a:p>
-            <a:pPr lvl="1"/>
-            <a:r>
-              <a:rPr lang="en-US" dirty="0" err="1"/>
-              <a:t>Documentatie</a:t>
-            </a:r>
-            <a:r>
-              <a:rPr lang="en-US" dirty="0"/>
-              <a:t> &amp; </a:t>
-            </a:r>
-            <a:r>
-              <a:rPr lang="en-US" dirty="0" err="1"/>
-              <a:t>risicolog</a:t>
-            </a:r>
-            <a:r>
-              <a:rPr lang="en-US" dirty="0"/>
-              <a:t>;</a:t>
-            </a:r>
-          </a:p>
-          <a:p>
-            <a:endParaRPr lang="LID4096" dirty="0"/>
+              <a:rPr lang="nl-NL" dirty="0"/>
+              <a:t>4. “Als bank wil ik mezelf beschermen tegen “security breaches” zodat ik mijn integriteit en reputatie niet kwijtraak”</a:t>
+            </a:r>
+          </a:p>
+          <a:p>
+            <a:pPr lvl="2"/>
+            <a:r>
+              <a:rPr lang="nl-NL" dirty="0"/>
+              <a:t>Acceptance Criteria: alle informatie is in een beveiligingsplan opgesteld.</a:t>
+            </a:r>
+          </a:p>
+          <a:p>
+            <a:pPr marL="1371600" lvl="3" indent="0">
+              <a:buNone/>
+            </a:pPr>
+            <a:r>
+              <a:rPr lang="nl-NL" dirty="0"/>
+              <a:t>Taken:</a:t>
+            </a:r>
+          </a:p>
+          <a:p>
+            <a:pPr lvl="3"/>
+            <a:r>
+              <a:rPr lang="nl-NL" dirty="0"/>
+              <a:t>Een robuust design voor de geld dispenser ontwerpen;</a:t>
+            </a:r>
+          </a:p>
+          <a:p>
+            <a:pPr lvl="3"/>
+            <a:r>
+              <a:rPr lang="nl-NL" dirty="0"/>
+              <a:t>De protocollen van de noob bekijken;</a:t>
+            </a:r>
           </a:p>
         </p:txBody>
       </p:sp>
     </p:spTree>
     <p:extLst>
       <p:ext uri="{BB962C8B-B14F-4D97-AF65-F5344CB8AC3E}">
-        <p14:creationId xmlns:p14="http://schemas.microsoft.com/office/powerpoint/2010/main" val="3407481101"/>
+        <p14:creationId xmlns:p14="http://schemas.microsoft.com/office/powerpoint/2010/main" val="3334901123"/>
+      </p:ext>
+    </p:extLst>
+  </p:cSld>
+  <p:clrMapOvr>
+    <a:masterClrMapping/>
+  </p:clrMapOvr>
+</p:sld>
+</file>
+
+<file path=ppt/slides/slide6.xml><?xml version="1.0" encoding="utf-8"?>
+<p:sld xmlns:a="http://schemas.openxmlformats.org/drawingml/2006/main" xmlns:r="http://schemas.openxmlformats.org/officeDocument/2006/relationships" xmlns:p="http://schemas.openxmlformats.org/presentationml/2006/main">
+  <p:cSld>
+    <p:spTree>
+      <p:nvGrpSpPr>
+        <p:cNvPr id="1" name=""/>
+        <p:cNvGrpSpPr/>
+        <p:nvPr/>
+      </p:nvGrpSpPr>
+      <p:grpSpPr>
+        <a:xfrm>
+          <a:off x="0" y="0"/>
+          <a:ext cx="0" cy="0"/>
+          <a:chOff x="0" y="0"/>
+          <a:chExt cx="0" cy="0"/>
+        </a:xfrm>
+      </p:grpSpPr>
+      <p:sp>
+        <p:nvSpPr>
+          <p:cNvPr id="2" name="Title 1">
+            <a:extLst>
+              <a:ext uri="{FF2B5EF4-FFF2-40B4-BE49-F238E27FC236}">
+                <a16:creationId xmlns:a16="http://schemas.microsoft.com/office/drawing/2014/main" id="{1F093E90-C0B8-4591-990C-401394A09BFD}"/>
+              </a:ext>
+            </a:extLst>
+          </p:cNvPr>
+          <p:cNvSpPr>
+            <a:spLocks noGrp="1"/>
+          </p:cNvSpPr>
+          <p:nvPr>
+            <p:ph type="title"/>
+          </p:nvPr>
+        </p:nvSpPr>
+        <p:spPr/>
+        <p:txBody>
+          <a:bodyPr/>
+          <a:lstStyle/>
+          <a:p>
+            <a:r>
+              <a:rPr lang="en-US" dirty="0"/>
+              <a:t>retrospective</a:t>
+            </a:r>
+            <a:endParaRPr lang="LID4096" dirty="0"/>
+          </a:p>
+        </p:txBody>
+      </p:sp>
+      <p:sp>
+        <p:nvSpPr>
+          <p:cNvPr id="3" name="Content Placeholder 2">
+            <a:extLst>
+              <a:ext uri="{FF2B5EF4-FFF2-40B4-BE49-F238E27FC236}">
+                <a16:creationId xmlns:a16="http://schemas.microsoft.com/office/drawing/2014/main" id="{65882D4E-C2D4-48EE-9875-2CC10E245311}"/>
+              </a:ext>
+            </a:extLst>
+          </p:cNvPr>
+          <p:cNvSpPr>
+            <a:spLocks noGrp="1"/>
+          </p:cNvSpPr>
+          <p:nvPr>
+            <p:ph idx="1"/>
+          </p:nvPr>
+        </p:nvSpPr>
+        <p:spPr/>
+        <p:txBody>
+          <a:bodyPr/>
+          <a:lstStyle/>
+          <a:p>
+            <a:r>
+              <a:rPr lang="en-US" dirty="0" err="1"/>
+              <a:t>Goed</a:t>
+            </a:r>
+            <a:r>
+              <a:rPr lang="en-US" dirty="0"/>
+              <a:t>…</a:t>
+            </a:r>
+          </a:p>
+          <a:p>
+            <a:pPr lvl="1"/>
+            <a:r>
+              <a:rPr lang="en-US" dirty="0"/>
+              <a:t>We </a:t>
+            </a:r>
+            <a:r>
+              <a:rPr lang="en-US" dirty="0" err="1"/>
+              <a:t>hebben</a:t>
+            </a:r>
+            <a:r>
+              <a:rPr lang="en-US" dirty="0"/>
+              <a:t> </a:t>
+            </a:r>
+            <a:r>
+              <a:rPr lang="en-US" dirty="0" err="1"/>
+              <a:t>een</a:t>
+            </a:r>
+            <a:r>
+              <a:rPr lang="en-US" dirty="0"/>
+              <a:t> basis van de GUI;</a:t>
+            </a:r>
+          </a:p>
+          <a:p>
+            <a:pPr lvl="1"/>
+            <a:r>
+              <a:rPr lang="en-US" dirty="0"/>
+              <a:t>We </a:t>
+            </a:r>
+            <a:r>
+              <a:rPr lang="en-US" dirty="0" err="1"/>
+              <a:t>hebben</a:t>
+            </a:r>
+            <a:r>
+              <a:rPr lang="en-US" dirty="0"/>
+              <a:t> </a:t>
+            </a:r>
+            <a:r>
+              <a:rPr lang="en-US" dirty="0" err="1"/>
+              <a:t>documentatie</a:t>
+            </a:r>
+            <a:r>
+              <a:rPr lang="en-US" dirty="0"/>
+              <a:t> </a:t>
+            </a:r>
+            <a:r>
+              <a:rPr lang="en-US" dirty="0" err="1"/>
+              <a:t>gemaakt</a:t>
+            </a:r>
+            <a:r>
+              <a:rPr lang="en-US" dirty="0"/>
+              <a:t>;</a:t>
+            </a:r>
+          </a:p>
+          <a:p>
+            <a:pPr lvl="1"/>
+            <a:endParaRPr lang="en-US" dirty="0"/>
+          </a:p>
+          <a:p>
+            <a:r>
+              <a:rPr lang="en-US" dirty="0"/>
+              <a:t>Kan </a:t>
+            </a:r>
+            <a:r>
+              <a:rPr lang="en-US" dirty="0" err="1"/>
+              <a:t>beter</a:t>
+            </a:r>
+            <a:r>
+              <a:rPr lang="en-US" dirty="0"/>
+              <a:t>…</a:t>
+            </a:r>
+          </a:p>
+          <a:p>
+            <a:pPr lvl="1"/>
+            <a:r>
+              <a:rPr lang="en-US" dirty="0"/>
+              <a:t>Tempo;</a:t>
+            </a:r>
+          </a:p>
+          <a:p>
+            <a:pPr lvl="1"/>
+            <a:r>
+              <a:rPr lang="en-US" dirty="0"/>
+              <a:t>Python </a:t>
+            </a:r>
+            <a:r>
+              <a:rPr lang="en-US" dirty="0" err="1"/>
+              <a:t>oefeningen</a:t>
+            </a:r>
+            <a:r>
+              <a:rPr lang="en-US" dirty="0"/>
+              <a:t> </a:t>
+            </a:r>
+            <a:r>
+              <a:rPr lang="en-US" dirty="0" err="1"/>
+              <a:t>toepassen</a:t>
+            </a:r>
+            <a:r>
+              <a:rPr lang="en-US" dirty="0"/>
+              <a:t>;</a:t>
+            </a:r>
+          </a:p>
+        </p:txBody>
+      </p:sp>
+    </p:spTree>
+    <p:extLst>
+      <p:ext uri="{BB962C8B-B14F-4D97-AF65-F5344CB8AC3E}">
+        <p14:creationId xmlns:p14="http://schemas.microsoft.com/office/powerpoint/2010/main" val="1181509279"/>
       </p:ext>
     </p:extLst>
   </p:cSld>

--- a/Planning/PO Meeting 2.pptx
+++ b/Planning/PO Meeting 2.pptx
@@ -6037,6 +6037,18 @@
             </a:r>
           </a:p>
           <a:p>
+            <a:pPr lvl="1"/>
+            <a:r>
+              <a:rPr lang="en-US" dirty="0"/>
+              <a:t>Login </a:t>
+            </a:r>
+            <a:r>
+              <a:rPr lang="en-US" dirty="0" err="1"/>
+              <a:t>systeem</a:t>
+            </a:r>
+            <a:endParaRPr lang="en-US" dirty="0"/>
+          </a:p>
+          <a:p>
             <a:endParaRPr lang="LID4096" dirty="0"/>
           </a:p>
         </p:txBody>
